--- a/Courses/TBMH 5054/Presentations/01_20_2015.pptx
+++ b/Courses/TBMH 5054/Presentations/01_20_2015.pptx
@@ -6,17 +6,16 @@
   </p:sldMasterIdLst>
   <p:sldIdLst>
     <p:sldId id="256" r:id="rId2"/>
-    <p:sldId id="257" r:id="rId3"/>
-    <p:sldId id="259" r:id="rId4"/>
-    <p:sldId id="260" r:id="rId5"/>
-    <p:sldId id="261" r:id="rId6"/>
-    <p:sldId id="262" r:id="rId7"/>
-    <p:sldId id="263" r:id="rId8"/>
+    <p:sldId id="262" r:id="rId3"/>
+    <p:sldId id="263" r:id="rId4"/>
+    <p:sldId id="257" r:id="rId5"/>
+    <p:sldId id="259" r:id="rId6"/>
+    <p:sldId id="260" r:id="rId7"/>
+    <p:sldId id="261" r:id="rId8"/>
     <p:sldId id="264" r:id="rId9"/>
-    <p:sldId id="265" r:id="rId10"/>
-    <p:sldId id="266" r:id="rId11"/>
-    <p:sldId id="267" r:id="rId12"/>
-    <p:sldId id="258" r:id="rId13"/>
+    <p:sldId id="266" r:id="rId10"/>
+    <p:sldId id="267" r:id="rId11"/>
+    <p:sldId id="258" r:id="rId12"/>
   </p:sldIdLst>
   <p:sldSz cx="9144000" cy="6858000" type="screen4x3"/>
   <p:notesSz cx="6858000" cy="9144000"/>
@@ -3191,7 +3190,7 @@
             <a:pPr algn="l"/>
             <a:r>
               <a:rPr lang="en-US" dirty="0" smtClean="0"/>
-              <a:t>Probiotic Effector Molecules</a:t>
+              <a:t>Some Takeaways</a:t>
             </a:r>
             <a:endParaRPr lang="en-US" dirty="0"/>
           </a:p>
@@ -3209,135 +3208,48 @@
         </p:nvSpPr>
         <p:spPr/>
         <p:txBody>
-          <a:bodyPr/>
-          <a:lstStyle/>
-          <a:p>
-            <a:pPr marL="0" indent="0">
-              <a:buNone/>
+          <a:bodyPr>
+            <a:normAutofit/>
+          </a:bodyPr>
+          <a:lstStyle/>
+          <a:p>
+            <a:pPr marL="514350" indent="-514350">
+              <a:buFont typeface="+mj-lt"/>
+              <a:buAutoNum type="arabicPeriod"/>
             </a:pPr>
-            <a:endParaRPr lang="en-US" dirty="0" smtClean="0"/>
-          </a:p>
-        </p:txBody>
-      </p:sp>
-      <p:cxnSp>
-        <p:nvCxnSpPr>
-          <p:cNvPr id="5" name="Straight Connector 4"/>
-          <p:cNvCxnSpPr/>
-          <p:nvPr/>
-        </p:nvCxnSpPr>
-        <p:spPr>
-          <a:xfrm>
-            <a:off x="457200" y="926814"/>
-            <a:ext cx="8229600" cy="0"/>
-          </a:xfrm>
-          <a:prstGeom prst="line">
-            <a:avLst/>
-          </a:prstGeom>
-          <a:ln w="12700">
-            <a:solidFill>
-              <a:schemeClr val="tx1">
-                <a:lumMod val="50000"/>
-                <a:lumOff val="50000"/>
-              </a:schemeClr>
-            </a:solidFill>
-          </a:ln>
-          <a:effectLst/>
-        </p:spPr>
-        <p:style>
-          <a:lnRef idx="2">
-            <a:schemeClr val="accent1"/>
-          </a:lnRef>
-          <a:fillRef idx="0">
-            <a:schemeClr val="accent1"/>
-          </a:fillRef>
-          <a:effectRef idx="1">
-            <a:schemeClr val="accent1"/>
-          </a:effectRef>
-          <a:fontRef idx="minor">
-            <a:schemeClr val="tx1"/>
-          </a:fontRef>
-        </p:style>
-      </p:cxnSp>
-    </p:spTree>
-    <p:extLst>
-      <p:ext uri="{BB962C8B-B14F-4D97-AF65-F5344CB8AC3E}">
-        <p14:creationId xmlns:p14="http://schemas.microsoft.com/office/powerpoint/2010/main" val="147478944"/>
-      </p:ext>
-    </p:extLst>
-  </p:cSld>
-  <p:clrMapOvr>
-    <a:masterClrMapping/>
-  </p:clrMapOvr>
-</p:sld>
-</file>
-
-<file path=ppt/slides/slide11.xml><?xml version="1.0" encoding="utf-8"?>
-<p:sld xmlns:a="http://schemas.openxmlformats.org/drawingml/2006/main" xmlns:r="http://schemas.openxmlformats.org/officeDocument/2006/relationships" xmlns:p="http://schemas.openxmlformats.org/presentationml/2006/main">
-  <p:cSld>
-    <p:spTree>
-      <p:nvGrpSpPr>
-        <p:cNvPr id="1" name=""/>
-        <p:cNvGrpSpPr/>
-        <p:nvPr/>
-      </p:nvGrpSpPr>
-      <p:grpSpPr>
-        <a:xfrm>
-          <a:off x="0" y="0"/>
-          <a:ext cx="0" cy="0"/>
-          <a:chOff x="0" y="0"/>
-          <a:chExt cx="0" cy="0"/>
-        </a:xfrm>
-      </p:grpSpPr>
-      <p:sp>
-        <p:nvSpPr>
-          <p:cNvPr id="2" name="Title 1"/>
-          <p:cNvSpPr>
-            <a:spLocks noGrp="1"/>
-          </p:cNvSpPr>
-          <p:nvPr>
-            <p:ph type="title"/>
-          </p:nvPr>
-        </p:nvSpPr>
-        <p:spPr>
-          <a:xfrm>
-            <a:off x="457200" y="274638"/>
-            <a:ext cx="8229600" cy="709367"/>
-          </a:xfrm>
-        </p:spPr>
-        <p:txBody>
-          <a:bodyPr>
-            <a:normAutofit fontScale="90000"/>
-          </a:bodyPr>
-          <a:lstStyle/>
-          <a:p>
-            <a:pPr algn="l"/>
-            <a:r>
-              <a:rPr lang="en-US" dirty="0" smtClean="0"/>
-              <a:t>Probiotic Effector Molecules</a:t>
-            </a:r>
-            <a:endParaRPr lang="en-US" dirty="0"/>
-          </a:p>
-        </p:txBody>
-      </p:sp>
-      <p:sp>
-        <p:nvSpPr>
-          <p:cNvPr id="3" name="Content Placeholder 2"/>
-          <p:cNvSpPr>
-            <a:spLocks noGrp="1"/>
-          </p:cNvSpPr>
-          <p:nvPr>
-            <p:ph idx="1"/>
-          </p:nvPr>
-        </p:nvSpPr>
-        <p:spPr/>
-        <p:txBody>
-          <a:bodyPr/>
-          <a:lstStyle/>
-          <a:p>
-            <a:pPr marL="0" indent="0">
-              <a:buNone/>
+            <a:r>
+              <a:rPr lang="en-US" sz="3000" dirty="0" smtClean="0"/>
+              <a:t>Probiotics clearly can have a strongly positive effect on the host</a:t>
+            </a:r>
+          </a:p>
+          <a:p>
+            <a:pPr marL="514350" indent="-514350">
+              <a:buFont typeface="+mj-lt"/>
+              <a:buAutoNum type="arabicPeriod"/>
             </a:pPr>
-            <a:endParaRPr lang="en-US" dirty="0" smtClean="0"/>
+            <a:r>
+              <a:rPr lang="en-US" sz="3000" dirty="0" smtClean="0"/>
+              <a:t>Effects are specific to the strain of bacteria and little is known about dosage</a:t>
+            </a:r>
+          </a:p>
+          <a:p>
+            <a:pPr marL="514350" indent="-514350">
+              <a:buFont typeface="+mj-lt"/>
+              <a:buAutoNum type="arabicPeriod"/>
+            </a:pPr>
+            <a:r>
+              <a:rPr lang="en-US" sz="3000" dirty="0" smtClean="0"/>
+              <a:t>Top-down s</a:t>
+            </a:r>
+            <a:r>
+              <a:rPr lang="en-US" sz="3000" dirty="0" smtClean="0"/>
+              <a:t>ystems biology and advanced genomics approaches are needed to isolate effector molecules and mechanisms of action before findings can be translated into consumer </a:t>
+            </a:r>
+            <a:r>
+              <a:rPr lang="en-US" sz="3000" dirty="0" err="1" smtClean="0"/>
+              <a:t>pharmacologics</a:t>
+            </a:r>
+            <a:endParaRPr lang="en-US" sz="3000" dirty="0" smtClean="0"/>
           </a:p>
         </p:txBody>
       </p:sp>
@@ -3393,7 +3305,7 @@
 </p:sld>
 </file>
 
-<file path=ppt/slides/slide12.xml><?xml version="1.0" encoding="utf-8"?>
+<file path=ppt/slides/slide11.xml><?xml version="1.0" encoding="utf-8"?>
 <p:sld xmlns:a="http://schemas.openxmlformats.org/drawingml/2006/main" xmlns:r="http://schemas.openxmlformats.org/officeDocument/2006/relationships" xmlns:p="http://schemas.openxmlformats.org/presentationml/2006/main">
   <p:cSld>
     <p:spTree>
@@ -3847,6 +3759,350 @@
             <a:pPr algn="l"/>
             <a:r>
               <a:rPr lang="en-US" dirty="0" smtClean="0"/>
+              <a:t>Interactions with Food Components</a:t>
+            </a:r>
+            <a:endParaRPr lang="en-US" dirty="0"/>
+          </a:p>
+        </p:txBody>
+      </p:sp>
+      <p:pic>
+        <p:nvPicPr>
+          <p:cNvPr id="4" name="Content Placeholder 3" descr="Screen Shot 2015-01-19 at 12.27.13.png"/>
+          <p:cNvPicPr>
+            <a:picLocks noGrp="1" noChangeAspect="1"/>
+          </p:cNvPicPr>
+          <p:nvPr>
+            <p:ph idx="1"/>
+          </p:nvPr>
+        </p:nvPicPr>
+        <p:blipFill>
+          <a:blip r:embed="rId2">
+            <a:extLst>
+              <a:ext uri="{28A0092B-C50C-407E-A947-70E740481C1C}">
+                <a14:useLocalDpi xmlns:a14="http://schemas.microsoft.com/office/drawing/2010/main" val="0"/>
+              </a:ext>
+            </a:extLst>
+          </a:blip>
+          <a:srcRect l="-12674" r="-12674"/>
+          <a:stretch>
+            <a:fillRect/>
+          </a:stretch>
+        </p:blipFill>
+        <p:spPr/>
+      </p:pic>
+      <p:cxnSp>
+        <p:nvCxnSpPr>
+          <p:cNvPr id="5" name="Straight Connector 4"/>
+          <p:cNvCxnSpPr/>
+          <p:nvPr/>
+        </p:nvCxnSpPr>
+        <p:spPr>
+          <a:xfrm>
+            <a:off x="457200" y="926814"/>
+            <a:ext cx="8229600" cy="0"/>
+          </a:xfrm>
+          <a:prstGeom prst="line">
+            <a:avLst/>
+          </a:prstGeom>
+          <a:ln w="12700">
+            <a:solidFill>
+              <a:schemeClr val="tx1">
+                <a:lumMod val="50000"/>
+                <a:lumOff val="50000"/>
+              </a:schemeClr>
+            </a:solidFill>
+          </a:ln>
+          <a:effectLst/>
+        </p:spPr>
+        <p:style>
+          <a:lnRef idx="2">
+            <a:schemeClr val="accent1"/>
+          </a:lnRef>
+          <a:fillRef idx="0">
+            <a:schemeClr val="accent1"/>
+          </a:fillRef>
+          <a:effectRef idx="1">
+            <a:schemeClr val="accent1"/>
+          </a:effectRef>
+          <a:fontRef idx="minor">
+            <a:schemeClr val="tx1"/>
+          </a:fontRef>
+        </p:style>
+      </p:cxnSp>
+      <p:sp>
+        <p:nvSpPr>
+          <p:cNvPr id="6" name="TextBox 5"/>
+          <p:cNvSpPr txBox="1"/>
+          <p:nvPr/>
+        </p:nvSpPr>
+        <p:spPr>
+          <a:xfrm>
+            <a:off x="7172468" y="6415902"/>
+            <a:ext cx="1514332" cy="307777"/>
+          </a:xfrm>
+          <a:prstGeom prst="rect">
+            <a:avLst/>
+          </a:prstGeom>
+          <a:noFill/>
+        </p:spPr>
+        <p:txBody>
+          <a:bodyPr wrap="square" rtlCol="0">
+            <a:spAutoFit/>
+          </a:bodyPr>
+          <a:lstStyle/>
+          <a:p>
+            <a:pPr algn="r"/>
+            <a:r>
+              <a:rPr lang="en-US" sz="1400" dirty="0" smtClean="0"/>
+              <a:t>(</a:t>
+            </a:r>
+            <a:r>
+              <a:rPr lang="en-US" sz="1400" dirty="0" err="1" smtClean="0"/>
+              <a:t>Laparra</a:t>
+            </a:r>
+            <a:r>
+              <a:rPr lang="en-US" sz="1400" dirty="0" smtClean="0"/>
+              <a:t>, 2010)</a:t>
+            </a:r>
+            <a:endParaRPr lang="en-US" sz="1400" dirty="0"/>
+          </a:p>
+        </p:txBody>
+      </p:sp>
+    </p:spTree>
+    <p:extLst>
+      <p:ext uri="{BB962C8B-B14F-4D97-AF65-F5344CB8AC3E}">
+        <p14:creationId xmlns:p14="http://schemas.microsoft.com/office/powerpoint/2010/main" val="4087233639"/>
+      </p:ext>
+    </p:extLst>
+  </p:cSld>
+  <p:clrMapOvr>
+    <a:masterClrMapping/>
+  </p:clrMapOvr>
+</p:sld>
+</file>
+
+<file path=ppt/slides/slide3.xml><?xml version="1.0" encoding="utf-8"?>
+<p:sld xmlns:a="http://schemas.openxmlformats.org/drawingml/2006/main" xmlns:r="http://schemas.openxmlformats.org/officeDocument/2006/relationships" xmlns:p="http://schemas.openxmlformats.org/presentationml/2006/main">
+  <p:cSld>
+    <p:spTree>
+      <p:nvGrpSpPr>
+        <p:cNvPr id="1" name=""/>
+        <p:cNvGrpSpPr/>
+        <p:nvPr/>
+      </p:nvGrpSpPr>
+      <p:grpSpPr>
+        <a:xfrm>
+          <a:off x="0" y="0"/>
+          <a:ext cx="0" cy="0"/>
+          <a:chOff x="0" y="0"/>
+          <a:chExt cx="0" cy="0"/>
+        </a:xfrm>
+      </p:grpSpPr>
+      <p:sp>
+        <p:nvSpPr>
+          <p:cNvPr id="2" name="Title 1"/>
+          <p:cNvSpPr>
+            <a:spLocks noGrp="1"/>
+          </p:cNvSpPr>
+          <p:nvPr>
+            <p:ph type="title"/>
+          </p:nvPr>
+        </p:nvSpPr>
+        <p:spPr>
+          <a:xfrm>
+            <a:off x="457200" y="274638"/>
+            <a:ext cx="8229600" cy="709367"/>
+          </a:xfrm>
+        </p:spPr>
+        <p:txBody>
+          <a:bodyPr>
+            <a:normAutofit fontScale="90000"/>
+          </a:bodyPr>
+          <a:lstStyle/>
+          <a:p>
+            <a:pPr algn="l"/>
+            <a:r>
+              <a:rPr lang="en-US" dirty="0" smtClean="0"/>
+              <a:t>Interactions with Food Components</a:t>
+            </a:r>
+            <a:endParaRPr lang="en-US" dirty="0"/>
+          </a:p>
+        </p:txBody>
+      </p:sp>
+      <p:sp>
+        <p:nvSpPr>
+          <p:cNvPr id="3" name="Content Placeholder 2"/>
+          <p:cNvSpPr>
+            <a:spLocks noGrp="1"/>
+          </p:cNvSpPr>
+          <p:nvPr>
+            <p:ph idx="1"/>
+          </p:nvPr>
+        </p:nvSpPr>
+        <p:spPr/>
+        <p:txBody>
+          <a:bodyPr/>
+          <a:lstStyle/>
+          <a:p>
+            <a:pPr marL="514350" indent="-514350">
+              <a:buFont typeface="+mj-lt"/>
+              <a:buAutoNum type="arabicPeriod"/>
+            </a:pPr>
+            <a:r>
+              <a:rPr lang="en-US" dirty="0" smtClean="0"/>
+              <a:t>Gut </a:t>
+            </a:r>
+            <a:r>
+              <a:rPr lang="en-US" dirty="0" err="1" smtClean="0"/>
+              <a:t>microbiota</a:t>
+            </a:r>
+            <a:r>
+              <a:rPr lang="en-US" dirty="0" smtClean="0"/>
+              <a:t> exerts great impact on host’s nutritional status</a:t>
+            </a:r>
+          </a:p>
+          <a:p>
+            <a:pPr marL="514350" indent="-514350">
+              <a:buFont typeface="+mj-lt"/>
+              <a:buAutoNum type="arabicPeriod"/>
+            </a:pPr>
+            <a:r>
+              <a:rPr lang="en-US" dirty="0" smtClean="0"/>
+              <a:t>Provides additional enzymatic activity</a:t>
+            </a:r>
+          </a:p>
+          <a:p>
+            <a:pPr marL="514350" indent="-514350">
+              <a:buFont typeface="+mj-lt"/>
+              <a:buAutoNum type="arabicPeriod"/>
+            </a:pPr>
+            <a:r>
+              <a:rPr lang="en-US" dirty="0" smtClean="0"/>
+              <a:t>May be modulated by food bioactive compounds, positively or negatively</a:t>
+            </a:r>
+          </a:p>
+          <a:p>
+            <a:pPr marL="0" indent="0">
+              <a:buNone/>
+            </a:pPr>
+            <a:endParaRPr lang="en-US" dirty="0"/>
+          </a:p>
+          <a:p>
+            <a:pPr marL="0" indent="0">
+              <a:buNone/>
+              <a:tabLst>
+                <a:tab pos="7997825" algn="r"/>
+              </a:tabLst>
+            </a:pPr>
+            <a:r>
+              <a:rPr lang="en-US" sz="1400" dirty="0" smtClean="0"/>
+              <a:t>	(</a:t>
+            </a:r>
+            <a:r>
+              <a:rPr lang="en-US" sz="1400" dirty="0" err="1" smtClean="0"/>
+              <a:t>Laparra</a:t>
+            </a:r>
+            <a:r>
+              <a:rPr lang="en-US" sz="1400" dirty="0" smtClean="0"/>
+              <a:t>,  2010)</a:t>
+            </a:r>
+          </a:p>
+        </p:txBody>
+      </p:sp>
+      <p:cxnSp>
+        <p:nvCxnSpPr>
+          <p:cNvPr id="5" name="Straight Connector 4"/>
+          <p:cNvCxnSpPr/>
+          <p:nvPr/>
+        </p:nvCxnSpPr>
+        <p:spPr>
+          <a:xfrm>
+            <a:off x="457200" y="926814"/>
+            <a:ext cx="8229600" cy="0"/>
+          </a:xfrm>
+          <a:prstGeom prst="line">
+            <a:avLst/>
+          </a:prstGeom>
+          <a:ln w="12700">
+            <a:solidFill>
+              <a:schemeClr val="tx1">
+                <a:lumMod val="50000"/>
+                <a:lumOff val="50000"/>
+              </a:schemeClr>
+            </a:solidFill>
+          </a:ln>
+          <a:effectLst/>
+        </p:spPr>
+        <p:style>
+          <a:lnRef idx="2">
+            <a:schemeClr val="accent1"/>
+          </a:lnRef>
+          <a:fillRef idx="0">
+            <a:schemeClr val="accent1"/>
+          </a:fillRef>
+          <a:effectRef idx="1">
+            <a:schemeClr val="accent1"/>
+          </a:effectRef>
+          <a:fontRef idx="minor">
+            <a:schemeClr val="tx1"/>
+          </a:fontRef>
+        </p:style>
+      </p:cxnSp>
+    </p:spTree>
+    <p:extLst>
+      <p:ext uri="{BB962C8B-B14F-4D97-AF65-F5344CB8AC3E}">
+        <p14:creationId xmlns:p14="http://schemas.microsoft.com/office/powerpoint/2010/main" val="3658731813"/>
+      </p:ext>
+    </p:extLst>
+  </p:cSld>
+  <p:clrMapOvr>
+    <a:masterClrMapping/>
+  </p:clrMapOvr>
+</p:sld>
+</file>
+
+<file path=ppt/slides/slide4.xml><?xml version="1.0" encoding="utf-8"?>
+<p:sld xmlns:a="http://schemas.openxmlformats.org/drawingml/2006/main" xmlns:r="http://schemas.openxmlformats.org/officeDocument/2006/relationships" xmlns:p="http://schemas.openxmlformats.org/presentationml/2006/main">
+  <p:cSld>
+    <p:spTree>
+      <p:nvGrpSpPr>
+        <p:cNvPr id="1" name=""/>
+        <p:cNvGrpSpPr/>
+        <p:nvPr/>
+      </p:nvGrpSpPr>
+      <p:grpSpPr>
+        <a:xfrm>
+          <a:off x="0" y="0"/>
+          <a:ext cx="0" cy="0"/>
+          <a:chOff x="0" y="0"/>
+          <a:chExt cx="0" cy="0"/>
+        </a:xfrm>
+      </p:grpSpPr>
+      <p:sp>
+        <p:nvSpPr>
+          <p:cNvPr id="2" name="Title 1"/>
+          <p:cNvSpPr>
+            <a:spLocks noGrp="1"/>
+          </p:cNvSpPr>
+          <p:nvPr>
+            <p:ph type="title"/>
+          </p:nvPr>
+        </p:nvSpPr>
+        <p:spPr>
+          <a:xfrm>
+            <a:off x="457200" y="274638"/>
+            <a:ext cx="8229600" cy="709367"/>
+          </a:xfrm>
+        </p:spPr>
+        <p:txBody>
+          <a:bodyPr>
+            <a:normAutofit fontScale="90000"/>
+          </a:bodyPr>
+          <a:lstStyle/>
+          <a:p>
+            <a:pPr algn="l"/>
+            <a:r>
+              <a:rPr lang="en-US" dirty="0" smtClean="0"/>
               <a:t>Probiotics Defined</a:t>
             </a:r>
             <a:endParaRPr lang="en-US" dirty="0"/>
@@ -3880,19 +4136,11 @@
             </a:r>
             <a:r>
               <a:rPr lang="en-US" dirty="0" smtClean="0"/>
-              <a:t> </a:t>
-            </a:r>
-            <a:r>
-              <a:rPr lang="en-US" dirty="0" smtClean="0"/>
-              <a:t>	</a:t>
+              <a:t> 	</a:t>
             </a:r>
             <a:r>
               <a:rPr lang="en-US" sz="1400" dirty="0" smtClean="0"/>
-              <a:t>(</a:t>
-            </a:r>
-            <a:r>
-              <a:rPr lang="en-US" sz="1400" dirty="0" smtClean="0"/>
-              <a:t>Araya, 2002)</a:t>
+              <a:t>(Araya, 2002)</a:t>
             </a:r>
           </a:p>
           <a:p>
@@ -3931,11 +4179,7 @@
             </a:pPr>
             <a:r>
               <a:rPr lang="en-US" sz="2800" dirty="0" smtClean="0"/>
-              <a:t>Identification of probiotic strains continues to be aided by genome mining and comparative genomic studies </a:t>
-            </a:r>
-            <a:r>
-              <a:rPr lang="en-US" sz="2800" dirty="0" smtClean="0"/>
-              <a:t>	</a:t>
+              <a:t>Identification of probiotic strains continues to be aided by genome mining and comparative genomic studies 	</a:t>
             </a:r>
             <a:r>
               <a:rPr lang="en-US" sz="1400" dirty="0" smtClean="0"/>
@@ -4005,7 +4249,7 @@
 </p:sld>
 </file>
 
-<file path=ppt/slides/slide3.xml><?xml version="1.0" encoding="utf-8"?>
+<file path=ppt/slides/slide5.xml><?xml version="1.0" encoding="utf-8"?>
 <p:sld xmlns:a="http://schemas.openxmlformats.org/drawingml/2006/main" xmlns:r="http://schemas.openxmlformats.org/officeDocument/2006/relationships" xmlns:p="http://schemas.openxmlformats.org/presentationml/2006/main">
   <p:cSld>
     <p:spTree>
@@ -4113,11 +4357,7 @@
             </a:pPr>
             <a:r>
               <a:rPr lang="en-US" dirty="0" smtClean="0"/>
-              <a:t>Safet</a:t>
-            </a:r>
-            <a:r>
-              <a:rPr lang="en-US" dirty="0" smtClean="0"/>
-              <a:t>y of use</a:t>
+              <a:t>Safety of use</a:t>
             </a:r>
           </a:p>
           <a:p>
@@ -4145,7 +4385,6 @@
               <a:rPr lang="en-US" sz="1400" dirty="0" smtClean="0"/>
               <a:t>, 2011)</a:t>
             </a:r>
-            <a:endParaRPr lang="en-US" sz="1400" dirty="0" smtClean="0"/>
           </a:p>
         </p:txBody>
       </p:sp>
@@ -4201,7 +4440,7 @@
 </p:sld>
 </file>
 
-<file path=ppt/slides/slide4.xml><?xml version="1.0" encoding="utf-8"?>
+<file path=ppt/slides/slide6.xml><?xml version="1.0" encoding="utf-8"?>
 <p:sld xmlns:a="http://schemas.openxmlformats.org/drawingml/2006/main" xmlns:r="http://schemas.openxmlformats.org/officeDocument/2006/relationships" xmlns:p="http://schemas.openxmlformats.org/presentationml/2006/main">
   <p:cSld>
     <p:spTree>
@@ -4269,7 +4508,7 @@
             </a:pPr>
             <a:r>
               <a:rPr lang="en-US" dirty="0" smtClean="0"/>
-              <a:t>Some effects are well documented (e.g., reduction of intestinal discomfort; contrast intestinal pathogens by direct antagonism; prevention of infectious diarrhea in children)</a:t>
+              <a:t>Some positive effects of probiotics are well documented (e.g., reduction of intestinal discomfort; contrast intestinal pathogens by direct antagonism; prevention of infectious diarrhea in children)</a:t>
             </a:r>
           </a:p>
           <a:p>
@@ -4319,7 +4558,6 @@
               <a:rPr lang="en-US" sz="1400" dirty="0" smtClean="0"/>
               <a:t>, 2011)</a:t>
             </a:r>
-            <a:endParaRPr lang="en-US" sz="1400" dirty="0" smtClean="0"/>
           </a:p>
         </p:txBody>
       </p:sp>
@@ -4375,7 +4613,7 @@
 </p:sld>
 </file>
 
-<file path=ppt/slides/slide5.xml><?xml version="1.0" encoding="utf-8"?>
+<file path=ppt/slides/slide7.xml><?xml version="1.0" encoding="utf-8"?>
 <p:sld xmlns:a="http://schemas.openxmlformats.org/drawingml/2006/main" xmlns:r="http://schemas.openxmlformats.org/officeDocument/2006/relationships" xmlns:p="http://schemas.openxmlformats.org/presentationml/2006/main">
   <p:cSld>
     <p:spTree>
@@ -4446,16 +4684,16 @@
               </a:tabLst>
             </a:pPr>
             <a:r>
-              <a:rPr lang="en-US" dirty="0" smtClean="0"/>
-              <a:t>Animal models provide plausible mechanism of action for </a:t>
-            </a:r>
-            <a:r>
-              <a:rPr lang="en-US" dirty="0" err="1" smtClean="0"/>
+              <a:rPr lang="en-US" sz="2800" dirty="0"/>
+              <a:t>Animal studies have provided plausible mechanisms of action of gut </a:t>
+            </a:r>
+            <a:r>
+              <a:rPr lang="en-US" sz="2800" dirty="0" err="1"/>
               <a:t>microbiota</a:t>
             </a:r>
             <a:r>
-              <a:rPr lang="en-US" dirty="0" smtClean="0"/>
-              <a:t> to impact weight regulation</a:t>
+              <a:rPr lang="en-US" sz="2800" dirty="0"/>
+              <a:t> to regulate weight</a:t>
             </a:r>
           </a:p>
           <a:p>
@@ -4467,26 +4705,38 @@
               </a:tabLst>
             </a:pPr>
             <a:r>
-              <a:rPr lang="en-US" dirty="0" smtClean="0"/>
-              <a:t>Inconsistent evidence across studies, but overall indicate a likely link between </a:t>
-            </a:r>
-            <a:r>
-              <a:rPr lang="en-US" dirty="0" err="1" smtClean="0"/>
-              <a:t>microbiota</a:t>
-            </a:r>
-            <a:r>
-              <a:rPr lang="en-US" dirty="0" smtClean="0"/>
-              <a:t> and weight regulation</a:t>
-            </a:r>
-          </a:p>
-          <a:p>
-            <a:pPr marL="0" indent="0">
-              <a:buNone/>
+              <a:rPr lang="en-US" sz="2800" dirty="0"/>
+              <a:t>No consistent evidence of which specific microbes cause or correlate with obesity</a:t>
+            </a:r>
+          </a:p>
+          <a:p>
+            <a:pPr marL="514350" indent="-514350">
+              <a:buFont typeface="+mj-lt"/>
+              <a:buAutoNum type="arabicPeriod"/>
               <a:tabLst>
                 <a:tab pos="8004175" algn="r"/>
               </a:tabLst>
             </a:pPr>
-            <a:endParaRPr lang="en-US" sz="1400" dirty="0" smtClean="0"/>
+            <a:r>
+              <a:rPr lang="en-US" sz="2800" dirty="0"/>
+              <a:t>Likely some role of gut </a:t>
+            </a:r>
+            <a:r>
+              <a:rPr lang="en-US" sz="2800" dirty="0" err="1"/>
+              <a:t>microbiota</a:t>
+            </a:r>
+            <a:r>
+              <a:rPr lang="en-US" sz="2800" dirty="0"/>
+              <a:t>, but further </a:t>
+            </a:r>
+            <a:r>
+              <a:rPr lang="en-US" sz="2800" dirty="0" err="1"/>
+              <a:t>metagenomic</a:t>
+            </a:r>
+            <a:r>
+              <a:rPr lang="en-US" sz="2800" dirty="0"/>
+              <a:t> analyses and functional genomic studies are required</a:t>
+            </a:r>
           </a:p>
           <a:p>
             <a:pPr marL="0" indent="0">
@@ -4496,22 +4746,17 @@
               </a:tabLst>
             </a:pPr>
             <a:r>
-              <a:rPr lang="en-US" sz="1400" dirty="0"/>
-              <a:t>	</a:t>
-            </a:r>
-            <a:r>
-              <a:rPr lang="en-US" sz="1400" dirty="0" smtClean="0"/>
-              <a:t>(</a:t>
-            </a:r>
-            <a:r>
-              <a:rPr lang="en-US" sz="1400" dirty="0" err="1" smtClean="0"/>
+              <a:rPr lang="en-US" sz="1600" dirty="0"/>
+              <a:t>	(</a:t>
+            </a:r>
+            <a:r>
+              <a:rPr lang="en-US" sz="1600" dirty="0" err="1"/>
               <a:t>Sanz</a:t>
             </a:r>
             <a:r>
-              <a:rPr lang="en-US" sz="1400" smtClean="0"/>
+              <a:rPr lang="en-US" sz="1600" dirty="0"/>
               <a:t>, 2013)</a:t>
             </a:r>
-            <a:endParaRPr lang="en-US" sz="1400"/>
           </a:p>
         </p:txBody>
       </p:sp>
@@ -4567,250 +4812,6 @@
 </p:sld>
 </file>
 
-<file path=ppt/slides/slide6.xml><?xml version="1.0" encoding="utf-8"?>
-<p:sld xmlns:a="http://schemas.openxmlformats.org/drawingml/2006/main" xmlns:r="http://schemas.openxmlformats.org/officeDocument/2006/relationships" xmlns:p="http://schemas.openxmlformats.org/presentationml/2006/main">
-  <p:cSld>
-    <p:spTree>
-      <p:nvGrpSpPr>
-        <p:cNvPr id="1" name=""/>
-        <p:cNvGrpSpPr/>
-        <p:nvPr/>
-      </p:nvGrpSpPr>
-      <p:grpSpPr>
-        <a:xfrm>
-          <a:off x="0" y="0"/>
-          <a:ext cx="0" cy="0"/>
-          <a:chOff x="0" y="0"/>
-          <a:chExt cx="0" cy="0"/>
-        </a:xfrm>
-      </p:grpSpPr>
-      <p:sp>
-        <p:nvSpPr>
-          <p:cNvPr id="2" name="Title 1"/>
-          <p:cNvSpPr>
-            <a:spLocks noGrp="1"/>
-          </p:cNvSpPr>
-          <p:nvPr>
-            <p:ph type="title"/>
-          </p:nvPr>
-        </p:nvSpPr>
-        <p:spPr>
-          <a:xfrm>
-            <a:off x="457200" y="274638"/>
-            <a:ext cx="8229600" cy="709367"/>
-          </a:xfrm>
-        </p:spPr>
-        <p:txBody>
-          <a:bodyPr>
-            <a:normAutofit fontScale="90000"/>
-          </a:bodyPr>
-          <a:lstStyle/>
-          <a:p>
-            <a:pPr algn="l"/>
-            <a:r>
-              <a:rPr lang="en-US" dirty="0" smtClean="0"/>
-              <a:t>Interactions with Food Components</a:t>
-            </a:r>
-            <a:endParaRPr lang="en-US" dirty="0"/>
-          </a:p>
-        </p:txBody>
-      </p:sp>
-      <p:sp>
-        <p:nvSpPr>
-          <p:cNvPr id="3" name="Content Placeholder 2"/>
-          <p:cNvSpPr>
-            <a:spLocks noGrp="1"/>
-          </p:cNvSpPr>
-          <p:nvPr>
-            <p:ph idx="1"/>
-          </p:nvPr>
-        </p:nvSpPr>
-        <p:spPr/>
-        <p:txBody>
-          <a:bodyPr/>
-          <a:lstStyle/>
-          <a:p>
-            <a:pPr marL="0" indent="0">
-              <a:buNone/>
-            </a:pPr>
-            <a:endParaRPr lang="en-US" dirty="0" smtClean="0"/>
-          </a:p>
-        </p:txBody>
-      </p:sp>
-      <p:cxnSp>
-        <p:nvCxnSpPr>
-          <p:cNvPr id="5" name="Straight Connector 4"/>
-          <p:cNvCxnSpPr/>
-          <p:nvPr/>
-        </p:nvCxnSpPr>
-        <p:spPr>
-          <a:xfrm>
-            <a:off x="457200" y="926814"/>
-            <a:ext cx="8229600" cy="0"/>
-          </a:xfrm>
-          <a:prstGeom prst="line">
-            <a:avLst/>
-          </a:prstGeom>
-          <a:ln w="12700">
-            <a:solidFill>
-              <a:schemeClr val="tx1">
-                <a:lumMod val="50000"/>
-                <a:lumOff val="50000"/>
-              </a:schemeClr>
-            </a:solidFill>
-          </a:ln>
-          <a:effectLst/>
-        </p:spPr>
-        <p:style>
-          <a:lnRef idx="2">
-            <a:schemeClr val="accent1"/>
-          </a:lnRef>
-          <a:fillRef idx="0">
-            <a:schemeClr val="accent1"/>
-          </a:fillRef>
-          <a:effectRef idx="1">
-            <a:schemeClr val="accent1"/>
-          </a:effectRef>
-          <a:fontRef idx="minor">
-            <a:schemeClr val="tx1"/>
-          </a:fontRef>
-        </p:style>
-      </p:cxnSp>
-    </p:spTree>
-    <p:extLst>
-      <p:ext uri="{BB962C8B-B14F-4D97-AF65-F5344CB8AC3E}">
-        <p14:creationId xmlns:p14="http://schemas.microsoft.com/office/powerpoint/2010/main" val="4087233639"/>
-      </p:ext>
-    </p:extLst>
-  </p:cSld>
-  <p:clrMapOvr>
-    <a:masterClrMapping/>
-  </p:clrMapOvr>
-</p:sld>
-</file>
-
-<file path=ppt/slides/slide7.xml><?xml version="1.0" encoding="utf-8"?>
-<p:sld xmlns:a="http://schemas.openxmlformats.org/drawingml/2006/main" xmlns:r="http://schemas.openxmlformats.org/officeDocument/2006/relationships" xmlns:p="http://schemas.openxmlformats.org/presentationml/2006/main">
-  <p:cSld>
-    <p:spTree>
-      <p:nvGrpSpPr>
-        <p:cNvPr id="1" name=""/>
-        <p:cNvGrpSpPr/>
-        <p:nvPr/>
-      </p:nvGrpSpPr>
-      <p:grpSpPr>
-        <a:xfrm>
-          <a:off x="0" y="0"/>
-          <a:ext cx="0" cy="0"/>
-          <a:chOff x="0" y="0"/>
-          <a:chExt cx="0" cy="0"/>
-        </a:xfrm>
-      </p:grpSpPr>
-      <p:sp>
-        <p:nvSpPr>
-          <p:cNvPr id="2" name="Title 1"/>
-          <p:cNvSpPr>
-            <a:spLocks noGrp="1"/>
-          </p:cNvSpPr>
-          <p:nvPr>
-            <p:ph type="title"/>
-          </p:nvPr>
-        </p:nvSpPr>
-        <p:spPr>
-          <a:xfrm>
-            <a:off x="457200" y="274638"/>
-            <a:ext cx="8229600" cy="709367"/>
-          </a:xfrm>
-        </p:spPr>
-        <p:txBody>
-          <a:bodyPr>
-            <a:normAutofit fontScale="90000"/>
-          </a:bodyPr>
-          <a:lstStyle/>
-          <a:p>
-            <a:pPr algn="l"/>
-            <a:r>
-              <a:rPr lang="en-US" dirty="0" smtClean="0"/>
-              <a:t>Interactions with Food Components</a:t>
-            </a:r>
-            <a:endParaRPr lang="en-US" dirty="0"/>
-          </a:p>
-        </p:txBody>
-      </p:sp>
-      <p:sp>
-        <p:nvSpPr>
-          <p:cNvPr id="3" name="Content Placeholder 2"/>
-          <p:cNvSpPr>
-            <a:spLocks noGrp="1"/>
-          </p:cNvSpPr>
-          <p:nvPr>
-            <p:ph idx="1"/>
-          </p:nvPr>
-        </p:nvSpPr>
-        <p:spPr/>
-        <p:txBody>
-          <a:bodyPr/>
-          <a:lstStyle/>
-          <a:p>
-            <a:pPr marL="0" indent="0">
-              <a:buNone/>
-            </a:pPr>
-            <a:endParaRPr lang="en-US" dirty="0" smtClean="0"/>
-          </a:p>
-        </p:txBody>
-      </p:sp>
-      <p:cxnSp>
-        <p:nvCxnSpPr>
-          <p:cNvPr id="5" name="Straight Connector 4"/>
-          <p:cNvCxnSpPr/>
-          <p:nvPr/>
-        </p:nvCxnSpPr>
-        <p:spPr>
-          <a:xfrm>
-            <a:off x="457200" y="926814"/>
-            <a:ext cx="8229600" cy="0"/>
-          </a:xfrm>
-          <a:prstGeom prst="line">
-            <a:avLst/>
-          </a:prstGeom>
-          <a:ln w="12700">
-            <a:solidFill>
-              <a:schemeClr val="tx1">
-                <a:lumMod val="50000"/>
-                <a:lumOff val="50000"/>
-              </a:schemeClr>
-            </a:solidFill>
-          </a:ln>
-          <a:effectLst/>
-        </p:spPr>
-        <p:style>
-          <a:lnRef idx="2">
-            <a:schemeClr val="accent1"/>
-          </a:lnRef>
-          <a:fillRef idx="0">
-            <a:schemeClr val="accent1"/>
-          </a:fillRef>
-          <a:effectRef idx="1">
-            <a:schemeClr val="accent1"/>
-          </a:effectRef>
-          <a:fontRef idx="minor">
-            <a:schemeClr val="tx1"/>
-          </a:fontRef>
-        </p:style>
-      </p:cxnSp>
-    </p:spTree>
-    <p:extLst>
-      <p:ext uri="{BB962C8B-B14F-4D97-AF65-F5344CB8AC3E}">
-        <p14:creationId xmlns:p14="http://schemas.microsoft.com/office/powerpoint/2010/main" val="3658731813"/>
-      </p:ext>
-    </p:extLst>
-  </p:cSld>
-  <p:clrMapOvr>
-    <a:masterClrMapping/>
-  </p:clrMapOvr>
-</p:sld>
-</file>
-
 <file path=ppt/slides/slide8.xml><?xml version="1.0" encoding="utf-8"?>
 <p:sld xmlns:a="http://schemas.openxmlformats.org/drawingml/2006/main" xmlns:r="http://schemas.openxmlformats.org/officeDocument/2006/relationships" xmlns:p="http://schemas.openxmlformats.org/presentationml/2006/main">
   <p:cSld>
@@ -4874,10 +4875,67 @@
           <a:bodyPr/>
           <a:lstStyle/>
           <a:p>
+            <a:pPr marL="514350" indent="-514350">
+              <a:buFont typeface="+mj-lt"/>
+              <a:buAutoNum type="arabicPeriod"/>
+            </a:pPr>
+            <a:r>
+              <a:rPr lang="en-US" dirty="0" smtClean="0"/>
+              <a:t>Colonizing germ-free mice with human baby flora allows top-down view of host response to probiotic intervention</a:t>
+            </a:r>
+          </a:p>
+          <a:p>
+            <a:pPr marL="514350" indent="-514350">
+              <a:buFont typeface="+mj-lt"/>
+              <a:buAutoNum type="arabicPeriod"/>
+            </a:pPr>
+            <a:r>
+              <a:rPr lang="en-US" dirty="0" smtClean="0"/>
+              <a:t>Exposure to </a:t>
+            </a:r>
+            <a:r>
+              <a:rPr lang="en-US" i="1" dirty="0" smtClean="0"/>
+              <a:t>L. </a:t>
+            </a:r>
+            <a:r>
+              <a:rPr lang="en-US" i="1" dirty="0" err="1" smtClean="0"/>
+              <a:t>paracasei</a:t>
+            </a:r>
+            <a:r>
+              <a:rPr lang="en-US" dirty="0" smtClean="0"/>
+              <a:t> or </a:t>
+            </a:r>
+            <a:r>
+              <a:rPr lang="en-US" i="1" dirty="0" smtClean="0"/>
+              <a:t>L. </a:t>
+            </a:r>
+            <a:r>
+              <a:rPr lang="en-US" i="1" dirty="0" err="1" smtClean="0"/>
+              <a:t>rhamnosus</a:t>
+            </a:r>
+            <a:r>
+              <a:rPr lang="en-US" dirty="0" smtClean="0"/>
+              <a:t> produced altered hepatic lipid metabolism, lowered plasma lipoprotein levels, and stimulated glycolysis</a:t>
+            </a:r>
+          </a:p>
+          <a:p>
+            <a:pPr marL="514350" indent="-514350">
+              <a:buFont typeface="+mj-lt"/>
+              <a:buAutoNum type="arabicPeriod"/>
+            </a:pPr>
+            <a:endParaRPr lang="en-US" dirty="0"/>
+          </a:p>
+          <a:p>
             <a:pPr marL="0" indent="0">
               <a:buNone/>
+              <a:tabLst>
+                <a:tab pos="7997825" algn="r"/>
+              </a:tabLst>
             </a:pPr>
-            <a:endParaRPr lang="en-US" dirty="0" smtClean="0"/>
+            <a:r>
+              <a:rPr lang="en-US" sz="1400" dirty="0" smtClean="0"/>
+              <a:t>	(Martin, 2008)</a:t>
+            </a:r>
           </a:p>
         </p:txBody>
       </p:sp>
@@ -4968,38 +5026,82 @@
         </p:spPr>
         <p:txBody>
           <a:bodyPr>
+            <a:normAutofit fontScale="90000"/>
+          </a:bodyPr>
+          <a:lstStyle/>
+          <a:p>
+            <a:pPr algn="l"/>
+            <a:r>
+              <a:rPr lang="en-US" dirty="0" smtClean="0"/>
+              <a:t>Probiotic Effector Molecules</a:t>
+            </a:r>
+            <a:endParaRPr lang="en-US" dirty="0"/>
+          </a:p>
+        </p:txBody>
+      </p:sp>
+      <p:sp>
+        <p:nvSpPr>
+          <p:cNvPr id="3" name="Content Placeholder 2"/>
+          <p:cNvSpPr>
+            <a:spLocks noGrp="1"/>
+          </p:cNvSpPr>
+          <p:nvPr>
+            <p:ph idx="1"/>
+          </p:nvPr>
+        </p:nvSpPr>
+        <p:spPr/>
+        <p:txBody>
+          <a:bodyPr>
             <a:normAutofit/>
           </a:bodyPr>
           <a:lstStyle/>
           <a:p>
-            <a:pPr algn="l"/>
-            <a:r>
-              <a:rPr lang="en-US" sz="3800" dirty="0" smtClean="0"/>
-              <a:t>Animal Models of Probiotic Modulation</a:t>
-            </a:r>
-            <a:endParaRPr lang="en-US" sz="3800" dirty="0"/>
-          </a:p>
-        </p:txBody>
-      </p:sp>
-      <p:sp>
-        <p:nvSpPr>
-          <p:cNvPr id="3" name="Content Placeholder 2"/>
-          <p:cNvSpPr>
-            <a:spLocks noGrp="1"/>
-          </p:cNvSpPr>
-          <p:nvPr>
-            <p:ph idx="1"/>
-          </p:nvPr>
-        </p:nvSpPr>
-        <p:spPr/>
-        <p:txBody>
-          <a:bodyPr/>
-          <a:lstStyle/>
+            <a:pPr marL="514350" indent="-514350">
+              <a:buFont typeface="+mj-lt"/>
+              <a:buAutoNum type="arabicPeriod"/>
+            </a:pPr>
+            <a:r>
+              <a:rPr lang="en-US" sz="2800" dirty="0" smtClean="0"/>
+              <a:t>Only beginning to understand molecular mechanisms of probiotic cell modulation</a:t>
+            </a:r>
+          </a:p>
+          <a:p>
+            <a:pPr marL="514350" indent="-514350">
+              <a:buFont typeface="+mj-lt"/>
+              <a:buAutoNum type="arabicPeriod"/>
+            </a:pPr>
+            <a:r>
+              <a:rPr lang="en-US" sz="2800" dirty="0" smtClean="0"/>
+              <a:t>Functional genomic approaches combined with dedicated mutagenesis approaches are helping to elucidate molecular mechanisms of probiotic health effects</a:t>
+            </a:r>
+          </a:p>
+          <a:p>
+            <a:pPr marL="514350" indent="-514350">
+              <a:buFont typeface="+mj-lt"/>
+              <a:buAutoNum type="arabicPeriod"/>
+            </a:pPr>
+            <a:r>
+              <a:rPr lang="en-US" sz="2800" dirty="0" smtClean="0"/>
+              <a:t>Paves way for more cost-effective and targeted applications of these bioactive probiotic molecules</a:t>
+            </a:r>
+          </a:p>
           <a:p>
             <a:pPr marL="0" indent="0">
               <a:buNone/>
             </a:pPr>
-            <a:endParaRPr lang="en-US" dirty="0" smtClean="0"/>
+            <a:endParaRPr lang="en-US" sz="1400" dirty="0" smtClean="0"/>
+          </a:p>
+          <a:p>
+            <a:pPr marL="0" indent="0">
+              <a:buNone/>
+              <a:tabLst>
+                <a:tab pos="7997825" algn="r"/>
+              </a:tabLst>
+            </a:pPr>
+            <a:r>
+              <a:rPr lang="en-US" sz="1400" dirty="0" smtClean="0"/>
+              <a:t>	(Lee, 2012)</a:t>
+            </a:r>
           </a:p>
         </p:txBody>
       </p:sp>
@@ -5045,7 +5147,7 @@
     </p:spTree>
     <p:extLst>
       <p:ext uri="{BB962C8B-B14F-4D97-AF65-F5344CB8AC3E}">
-        <p14:creationId xmlns:p14="http://schemas.microsoft.com/office/powerpoint/2010/main" val="2447520011"/>
+        <p14:creationId xmlns:p14="http://schemas.microsoft.com/office/powerpoint/2010/main" val="147478944"/>
       </p:ext>
     </p:extLst>
   </p:cSld>

--- a/Courses/TBMH 5054/Presentations/01_20_2015.pptx
+++ b/Courses/TBMH 5054/Presentations/01_20_2015.pptx
@@ -3239,15 +3239,19 @@
             </a:pPr>
             <a:r>
               <a:rPr lang="en-US" sz="3000" dirty="0" smtClean="0"/>
-              <a:t>Top-down s</a:t>
+              <a:t>Top-down systems biology and advanced genomics approaches are needed to isolate effector molecules and mechanisms of action before findings can be translated into </a:t>
             </a:r>
             <a:r>
               <a:rPr lang="en-US" sz="3000" dirty="0" smtClean="0"/>
-              <a:t>ystems biology and advanced genomics approaches are needed to isolate effector molecules and mechanisms of action before findings can be translated into consumer </a:t>
-            </a:r>
-            <a:r>
-              <a:rPr lang="en-US" sz="3000" dirty="0" err="1" smtClean="0"/>
-              <a:t>pharmacologics</a:t>
+              <a:t>cost</a:t>
+            </a:r>
+            <a:r>
+              <a:rPr lang="en-US" sz="3000" smtClean="0"/>
+              <a:t>-effective consumer </a:t>
+            </a:r>
+            <a:r>
+              <a:rPr lang="en-US" sz="3000" dirty="0" smtClean="0"/>
+              <a:t>products</a:t>
             </a:r>
             <a:endParaRPr lang="en-US" sz="3000" dirty="0" smtClean="0"/>
           </a:p>
